--- a/Salida.pptx
+++ b/Salida.pptx
@@ -11,6 +11,8 @@
     <p:sldId id="256" r:id="rId23"/>
     <p:sldId id="257" r:id="rId24"/>
     <p:sldId id="258" r:id="rId25"/>
+    <p:sldId id="259" r:id="rId26"/>
+    <p:sldId id="260" r:id="rId27"/>
   </p:sldIdLst>
   <p:sldSz cx="9144000" cy="5143500"/>
   <p:notesSz cx="6858000" cy="9144000"/>
@@ -6763,7 +6765,7 @@
           <a:lstStyle/>
           <a:p>
             <a:r>
-              <a:t>Presentacion</a:t>
+              <a:t>presentacion</a:t>
             </a:r>
           </a:p>
         </p:txBody>
@@ -6823,7 +6825,7 @@
           <a:lstStyle/>
           <a:p>
             <a:r>
-              <a:t>subtitulo!</a:t>
+              <a:t>subtitulos</a:t>
             </a:r>
           </a:p>
         </p:txBody>
@@ -6862,7 +6864,7 @@
           <a:lstStyle/>
           <a:p>
             <a:r>
-              <a:t>Diapositiva</a:t>
+              <a:t>titulo</a:t>
             </a:r>
           </a:p>
         </p:txBody>
@@ -6890,12 +6892,7 @@
           <a:lstStyle/>
           <a:p>
             <a:r>
-              <a:t>Esto es un parrafo de texto </a:t>
-            </a:r>
-          </a:p>
-          <a:p>
-            <a:r>
-              <a:t>Hola mundo</a:t>
+              <a:t>parrafo</a:t>
             </a:r>
           </a:p>
           <a:p/>
@@ -6925,6 +6922,172 @@
           </a:prstGeom>
         </p:spPr>
       </p:pic>
+    </p:spTree>
+  </p:cSld>
+  <p:clrMapOvr>
+    <a:masterClrMapping/>
+  </p:clrMapOvr>
+</p:sld>
+</file>
+
+<file path=ppt/slides/slide4.xml><?xml version="1.0" encoding="utf-8"?>
+<p:sld xmlns:a="http://schemas.openxmlformats.org/drawingml/2006/main" xmlns:p="http://schemas.openxmlformats.org/presentationml/2006/main" xmlns:r="http://schemas.openxmlformats.org/officeDocument/2006/relationships">
+  <p:cSld>
+    <p:spTree>
+      <p:nvGrpSpPr>
+        <p:cNvPr id="1" name=""/>
+        <p:cNvGrpSpPr/>
+        <p:nvPr/>
+      </p:nvGrpSpPr>
+      <p:grpSpPr/>
+      <p:sp>
+        <p:nvSpPr>
+          <p:cNvPr id="2" name="Title 1"/>
+          <p:cNvSpPr>
+            <a:spLocks noGrp="1"/>
+          </p:cNvSpPr>
+          <p:nvPr>
+            <p:ph type="title"/>
+          </p:nvPr>
+        </p:nvSpPr>
+        <p:spPr/>
+        <p:txBody>
+          <a:bodyPr/>
+          <a:lstStyle/>
+          <a:p/>
+        </p:txBody>
+      </p:sp>
+      <p:pic>
+        <p:nvPicPr>
+          <p:cNvPr id="3" name="Picture 2" descr="descarga.png"/>
+          <p:cNvPicPr>
+            <a:picLocks noChangeAspect="1"/>
+          </p:cNvPicPr>
+          <p:nvPr/>
+        </p:nvPicPr>
+        <p:blipFill>
+          <a:blip r:embed="rId2"/>
+          <a:stretch>
+            <a:fillRect/>
+          </a:stretch>
+        </p:blipFill>
+        <p:spPr>
+          <a:xfrm>
+            <a:off x="2871216" y="548640"/>
+            <a:ext cx="2852928" cy="2852928"/>
+          </a:xfrm>
+          <a:prstGeom prst="rect">
+            <a:avLst/>
+          </a:prstGeom>
+        </p:spPr>
+      </p:pic>
+      <p:sp>
+        <p:nvSpPr>
+          <p:cNvPr id="4" name="TextBox 3"/>
+          <p:cNvSpPr txBox="1"/>
+          <p:nvPr/>
+        </p:nvSpPr>
+        <p:spPr>
+          <a:xfrm>
+            <a:off x="1655064" y="3703320"/>
+            <a:ext cx="740664" cy="5431536"/>
+          </a:xfrm>
+          <a:prstGeom prst="rect">
+            <a:avLst/>
+          </a:prstGeom>
+          <a:noFill/>
+        </p:spPr>
+        <p:txBody>
+          <a:bodyPr wrap="none">
+            <a:spAutoFit/>
+          </a:bodyPr>
+          <a:lstStyle/>
+          <a:p>
+            <a:r>
+              <a:t>Esto es una breve descripcion de la imagen por texto </a:t>
+            </a:r>
+          </a:p>
+          <a:p>
+            <a:r>
+              <a:t>hola Mundo</a:t>
+            </a:r>
+          </a:p>
+          <a:p/>
+        </p:txBody>
+      </p:sp>
+    </p:spTree>
+  </p:cSld>
+  <p:clrMapOvr>
+    <a:masterClrMapping/>
+  </p:clrMapOvr>
+</p:sld>
+</file>
+
+<file path=ppt/slides/slide5.xml><?xml version="1.0" encoding="utf-8"?>
+<p:sld xmlns:a="http://schemas.openxmlformats.org/drawingml/2006/main" xmlns:p="http://schemas.openxmlformats.org/presentationml/2006/main" xmlns:r="http://schemas.openxmlformats.org/officeDocument/2006/relationships">
+  <p:cSld>
+    <p:spTree>
+      <p:nvGrpSpPr>
+        <p:cNvPr id="1" name=""/>
+        <p:cNvGrpSpPr/>
+        <p:nvPr/>
+      </p:nvGrpSpPr>
+      <p:grpSpPr/>
+      <p:sp>
+        <p:nvSpPr>
+          <p:cNvPr id="2" name="Title 1"/>
+          <p:cNvSpPr>
+            <a:spLocks noGrp="1"/>
+          </p:cNvSpPr>
+          <p:nvPr>
+            <p:ph type="title"/>
+          </p:nvPr>
+        </p:nvSpPr>
+        <p:spPr/>
+        <p:txBody>
+          <a:bodyPr/>
+          <a:lstStyle/>
+          <a:p>
+            <a:r>
+              <a:t>titulo</a:t>
+            </a:r>
+          </a:p>
+        </p:txBody>
+      </p:sp>
+      <p:sp>
+        <p:nvSpPr>
+          <p:cNvPr id="3" name="TextBox 2"/>
+          <p:cNvSpPr txBox="1"/>
+          <p:nvPr/>
+        </p:nvSpPr>
+        <p:spPr>
+          <a:xfrm>
+            <a:off x="914400" y="1216152"/>
+            <a:ext cx="521207" cy="7589520"/>
+          </a:xfrm>
+          <a:prstGeom prst="rect">
+            <a:avLst/>
+          </a:prstGeom>
+          <a:noFill/>
+        </p:spPr>
+        <p:txBody>
+          <a:bodyPr wrap="none">
+            <a:spAutoFit/>
+          </a:bodyPr>
+          <a:lstStyle/>
+          <a:p>
+            <a:r>
+              <a:t>Esto es una breve descripcion de la imagen por texto </a:t>
+            </a:r>
+          </a:p>
+          <a:p>
+            <a:r>
+              <a:t>hola Mundo</a:t>
+            </a:r>
+          </a:p>
+          <a:p/>
+        </p:txBody>
+      </p:sp>
     </p:spTree>
   </p:cSld>
   <p:clrMapOvr>
